--- a/Documentos/ppt_do_projeto.pptx
+++ b/Documentos/ppt_do_projeto.pptx
@@ -5,17 +5,19 @@
     <p:sldMasterId id="2147483648" r:id="rId4"/>
   </p:sldMasterIdLst>
   <p:notesMasterIdLst>
-    <p:notesMasterId r:id="rId10"/>
+    <p:notesMasterId r:id="rId12"/>
   </p:notesMasterIdLst>
   <p:handoutMasterIdLst>
-    <p:handoutMasterId r:id="rId11"/>
+    <p:handoutMasterId r:id="rId13"/>
   </p:handoutMasterIdLst>
   <p:sldIdLst>
     <p:sldId id="336" r:id="rId5"/>
-    <p:sldId id="340" r:id="rId6"/>
-    <p:sldId id="337" r:id="rId7"/>
-    <p:sldId id="338" r:id="rId8"/>
-    <p:sldId id="339" r:id="rId9"/>
+    <p:sldId id="341" r:id="rId6"/>
+    <p:sldId id="340" r:id="rId7"/>
+    <p:sldId id="337" r:id="rId8"/>
+    <p:sldId id="338" r:id="rId9"/>
+    <p:sldId id="339" r:id="rId10"/>
+    <p:sldId id="342" r:id="rId11"/>
   </p:sldIdLst>
   <p:sldSz cx="12192000" cy="6858000"/>
   <p:notesSz cx="6858000" cy="9144000"/>
@@ -125,6 +127,10 @@
 </p:presentation>
 </file>
 
+<file path=ppt/revisionInfo.xml><?xml version="1.0" encoding="utf-8"?>
+<p1510:revInfo xmlns:a="http://schemas.openxmlformats.org/drawingml/2006/main" xmlns:r="http://schemas.openxmlformats.org/officeDocument/2006/relationships" xmlns:p1510="http://schemas.microsoft.com/office/powerpoint/2015/10/main"/>
+</file>
+
 <file path=ppt/handoutMasters/handoutMaster1.xml><?xml version="1.0" encoding="utf-8"?>
 <p:handoutMaster xmlns:a="http://schemas.openxmlformats.org/drawingml/2006/main" xmlns:r="http://schemas.openxmlformats.org/officeDocument/2006/relationships" xmlns:p="http://schemas.openxmlformats.org/presentationml/2006/main">
   <p:cSld>
@@ -221,7 +227,7 @@
             <a:pPr rtl="0"/>
             <a:fld id="{E3F33985-A29A-463D-BBAD-DAFC36C69C7A}" type="datetime1">
               <a:rPr lang="pt-BR" smtClean="0"/>
-              <a:t>04/06/2021</a:t>
+              <a:t>06/06/2021</a:t>
             </a:fld>
             <a:endParaRPr lang="pt-BR"/>
           </a:p>
@@ -403,7 +409,7 @@
             <a:pPr rtl="0"/>
             <a:fld id="{0544A730-A123-4542-87C1-1A56A9939626}" type="datetime1">
               <a:rPr lang="pt-BR" noProof="0" smtClean="0"/>
-              <a:t>04/06/2021</a:t>
+              <a:t>06/06/2021</a:t>
             </a:fld>
             <a:endParaRPr lang="pt-BR" noProof="0"/>
           </a:p>
@@ -949,7 +955,7 @@
             <a:pPr rtl="0"/>
             <a:fld id="{74A6A6D3-0B78-48E9-9AD4-2808B1A01F0C}" type="datetime1">
               <a:rPr lang="pt-BR" noProof="0" smtClean="0"/>
-              <a:t>04/06/2021</a:t>
+              <a:t>06/06/2021</a:t>
             </a:fld>
             <a:endParaRPr lang="pt-BR" noProof="0"/>
           </a:p>
@@ -1361,7 +1367,7 @@
             <a:pPr rtl="0"/>
             <a:fld id="{96317E1B-405E-45CC-B817-40001A4139BD}" type="datetime1">
               <a:rPr lang="pt-BR" noProof="0" smtClean="0"/>
-              <a:t>04/06/2021</a:t>
+              <a:t>06/06/2021</a:t>
             </a:fld>
             <a:endParaRPr lang="pt-BR" noProof="0"/>
           </a:p>
@@ -1695,7 +1701,7 @@
             <a:pPr rtl="0"/>
             <a:fld id="{76BA4DA6-FE08-47AF-AD85-E3C2747CBC9B}" type="datetime1">
               <a:rPr lang="pt-BR" noProof="0" smtClean="0"/>
-              <a:t>04/06/2021</a:t>
+              <a:t>06/06/2021</a:t>
             </a:fld>
             <a:endParaRPr lang="pt-BR" noProof="0"/>
           </a:p>
@@ -2098,7 +2104,7 @@
             <a:pPr rtl="0"/>
             <a:fld id="{6A0A5A21-75E4-4E88-8F3E-678C4E4C92F5}" type="datetime1">
               <a:rPr lang="pt-BR" noProof="0" smtClean="0"/>
-              <a:t>04/06/2021</a:t>
+              <a:t>06/06/2021</a:t>
             </a:fld>
             <a:endParaRPr lang="pt-BR" noProof="0"/>
           </a:p>
@@ -2664,7 +2670,7 @@
             <a:pPr rtl="0"/>
             <a:fld id="{F044983D-8838-42C1-A2F6-26A819D8F25D}" type="datetime1">
               <a:rPr lang="pt-BR" noProof="0" smtClean="0"/>
-              <a:t>04/06/2021</a:t>
+              <a:t>06/06/2021</a:t>
             </a:fld>
             <a:endParaRPr lang="pt-BR" noProof="0"/>
           </a:p>
@@ -3343,7 +3349,7 @@
             <a:pPr rtl="0"/>
             <a:fld id="{1826AC99-D917-4B8B-BB99-7F3A10ABACC0}" type="datetime1">
               <a:rPr lang="pt-BR" noProof="0" smtClean="0"/>
-              <a:t>04/06/2021</a:t>
+              <a:t>06/06/2021</a:t>
             </a:fld>
             <a:endParaRPr lang="pt-BR" noProof="0"/>
           </a:p>
@@ -4254,7 +4260,7 @@
             <a:pPr rtl="0"/>
             <a:fld id="{DB160571-1011-4824-9BC0-D0C81253990B}" type="datetime1">
               <a:rPr lang="pt-BR" noProof="0" smtClean="0"/>
-              <a:t>04/06/2021</a:t>
+              <a:t>06/06/2021</a:t>
             </a:fld>
             <a:endParaRPr lang="pt-BR" noProof="0"/>
           </a:p>
@@ -4564,7 +4570,7 @@
             <a:pPr rtl="0"/>
             <a:fld id="{2E4FE5C9-A13A-4C36-BBC4-E885F4FC837D}" type="datetime1">
               <a:rPr lang="pt-BR" noProof="0" smtClean="0"/>
-              <a:t>04/06/2021</a:t>
+              <a:t>06/06/2021</a:t>
             </a:fld>
             <a:endParaRPr lang="pt-BR" noProof="0"/>
           </a:p>
@@ -4825,7 +4831,7 @@
             <a:pPr rtl="0"/>
             <a:fld id="{40AF3C55-A80C-4E5F-B9ED-11E134ADD532}" type="datetime1">
               <a:rPr lang="pt-BR" noProof="0" smtClean="0"/>
-              <a:t>04/06/2021</a:t>
+              <a:t>06/06/2021</a:t>
             </a:fld>
             <a:endParaRPr lang="pt-BR" noProof="0"/>
           </a:p>
@@ -5146,7 +5152,7 @@
             <a:pPr rtl="0"/>
             <a:fld id="{17B51328-EB55-4A6C-AB89-73D1BFAECB05}" type="datetime1">
               <a:rPr lang="pt-BR" noProof="0" smtClean="0"/>
-              <a:t>04/06/2021</a:t>
+              <a:t>06/06/2021</a:t>
             </a:fld>
             <a:endParaRPr lang="pt-BR" noProof="0"/>
           </a:p>
@@ -5533,7 +5539,7 @@
             <a:pPr rtl="0"/>
             <a:fld id="{1DC53748-C4AB-4CC2-8F06-F2C0F4DA84C4}" type="datetime1">
               <a:rPr lang="pt-BR" noProof="0" smtClean="0"/>
-              <a:t>04/06/2021</a:t>
+              <a:t>06/06/2021</a:t>
             </a:fld>
             <a:endParaRPr lang="pt-BR" noProof="0"/>
           </a:p>
@@ -5905,7 +5911,7 @@
             <a:pPr rtl="0"/>
             <a:fld id="{F3B5A326-5E5F-4BE0-99B4-89EEE6A4EFB9}" type="datetime1">
               <a:rPr lang="pt-BR" noProof="0" smtClean="0"/>
-              <a:t>04/06/2021</a:t>
+              <a:t>06/06/2021</a:t>
             </a:fld>
             <a:endParaRPr lang="pt-BR" noProof="0"/>
           </a:p>
@@ -6407,7 +6413,7 @@
             <a:pPr rtl="0"/>
             <a:fld id="{E0D67C41-770E-4C0E-8D91-5772FB36499B}" type="datetime1">
               <a:rPr lang="pt-BR" noProof="0" smtClean="0"/>
-              <a:t>04/06/2021</a:t>
+              <a:t>06/06/2021</a:t>
             </a:fld>
             <a:endParaRPr lang="pt-BR" noProof="0"/>
           </a:p>
@@ -6662,7 +6668,7 @@
             <a:pPr rtl="0"/>
             <a:fld id="{2E2A543B-2426-4190-8ABB-711F5F8FEFA2}" type="datetime1">
               <a:rPr lang="pt-BR" noProof="0" smtClean="0"/>
-              <a:t>04/06/2021</a:t>
+              <a:t>06/06/2021</a:t>
             </a:fld>
             <a:endParaRPr lang="pt-BR" noProof="0"/>
           </a:p>
@@ -6823,7 +6829,7 @@
             <a:pPr rtl="0"/>
             <a:fld id="{53FF1BF1-3997-4F24-B26B-E2C9A41ABC2B}" type="datetime1">
               <a:rPr lang="pt-BR" noProof="0" smtClean="0"/>
-              <a:t>04/06/2021</a:t>
+              <a:t>06/06/2021</a:t>
             </a:fld>
             <a:endParaRPr lang="pt-BR" noProof="0"/>
           </a:p>
@@ -7210,7 +7216,7 @@
             <a:pPr rtl="0"/>
             <a:fld id="{73414958-BCAD-40A9-99DB-322815F73200}" type="datetime1">
               <a:rPr lang="pt-BR" noProof="0" smtClean="0"/>
-              <a:t>04/06/2021</a:t>
+              <a:t>06/06/2021</a:t>
             </a:fld>
             <a:endParaRPr lang="pt-BR" noProof="0"/>
           </a:p>
@@ -7617,7 +7623,7 @@
             <a:pPr rtl="0"/>
             <a:fld id="{B90E1499-4292-475E-870A-B693ABEFEAF3}" type="datetime1">
               <a:rPr lang="pt-BR" noProof="0" smtClean="0"/>
-              <a:t>04/06/2021</a:t>
+              <a:t>06/06/2021</a:t>
             </a:fld>
             <a:endParaRPr lang="pt-BR" noProof="0"/>
           </a:p>
@@ -7858,7 +7864,7 @@
             <a:pPr rtl="0"/>
             <a:fld id="{D44E4BFC-EDA9-4CE5-83BF-E70C66C3532D}" type="datetime1">
               <a:rPr lang="pt-BR" noProof="0" smtClean="0"/>
-              <a:t>04/06/2021</a:t>
+              <a:t>06/06/2021</a:t>
             </a:fld>
             <a:endParaRPr lang="pt-BR" noProof="0"/>
           </a:p>
@@ -8423,7 +8429,7 @@
           <p:cNvPr id="2" name="Título 1">
             <a:extLst>
               <a:ext uri="{FF2B5EF4-FFF2-40B4-BE49-F238E27FC236}">
-                <a16:creationId xmlns:a16="http://schemas.microsoft.com/office/drawing/2014/main" id="{85C5FE73-25AB-4E71-B820-C4AA77264B1E}"/>
+                <a16:creationId xmlns:a16="http://schemas.microsoft.com/office/drawing/2014/main" id="{924EC618-B7F6-4129-90AA-66DBEB8B6F67}"/>
               </a:ext>
             </a:extLst>
           </p:cNvPr>
@@ -8434,7 +8440,12 @@
             <p:ph type="title"/>
           </p:nvPr>
         </p:nvSpPr>
-        <p:spPr/>
+        <p:spPr>
+          <a:xfrm>
+            <a:off x="680321" y="753228"/>
+            <a:ext cx="9613861" cy="1080938"/>
+          </a:xfrm>
+        </p:spPr>
         <p:txBody>
           <a:bodyPr/>
           <a:lstStyle/>
@@ -8444,24 +8455,26 @@
               <a:rPr lang="pt-BR" dirty="0">
                 <a:latin typeface="Algerian" panose="04020705040A02060702" pitchFamily="82" charset="0"/>
               </a:rPr>
-              <a:t>BACKLOG</a:t>
+              <a:t>Por que escolhi esse tipo de projeto</a:t>
             </a:r>
           </a:p>
         </p:txBody>
       </p:sp>
       <p:pic>
         <p:nvPicPr>
-          <p:cNvPr id="4" name="Espaço Reservado para Conteúdo 4" descr="Forma&#10;&#10;Descrição gerada automaticamente com confiança baixa">
+          <p:cNvPr id="6" name="Espaço Reservado para Conteúdo 5">
             <a:extLst>
               <a:ext uri="{FF2B5EF4-FFF2-40B4-BE49-F238E27FC236}">
-                <a16:creationId xmlns:a16="http://schemas.microsoft.com/office/drawing/2014/main" id="{880C05AF-2B4B-4F1F-B362-BE941F3CD2FE}"/>
+                <a16:creationId xmlns:a16="http://schemas.microsoft.com/office/drawing/2014/main" id="{1686125B-B0B4-46E1-A641-984884010A01}"/>
               </a:ext>
             </a:extLst>
           </p:cNvPr>
           <p:cNvPicPr>
-            <a:picLocks noChangeAspect="1"/>
+            <a:picLocks noGrp="1" noChangeAspect="1"/>
           </p:cNvPicPr>
-          <p:nvPr/>
+          <p:nvPr>
+            <p:ph idx="1"/>
+          </p:nvPr>
         </p:nvPicPr>
         <p:blipFill>
           <a:blip r:embed="rId2"/>
@@ -8471,20 +8484,17 @@
         </p:blipFill>
         <p:spPr>
           <a:xfrm>
-            <a:off x="10521238" y="410304"/>
-            <a:ext cx="1766785" cy="1766785"/>
-          </a:xfrm>
-          <a:prstGeom prst="rect">
-            <a:avLst/>
-          </a:prstGeom>
+            <a:off x="7817178" y="3053543"/>
+            <a:ext cx="3005137" cy="1815102"/>
+          </a:xfrm>
         </p:spPr>
       </p:pic>
       <p:pic>
         <p:nvPicPr>
-          <p:cNvPr id="6" name="Imagem 5" descr="Interface gráfica do usuário, Aplicativo, Teams&#10;&#10;Descrição gerada automaticamente">
+          <p:cNvPr id="4" name="Espaço Reservado para Conteúdo 4" descr="Forma&#10;&#10;Descrição gerada automaticamente com confiança baixa">
             <a:extLst>
               <a:ext uri="{FF2B5EF4-FFF2-40B4-BE49-F238E27FC236}">
-                <a16:creationId xmlns:a16="http://schemas.microsoft.com/office/drawing/2014/main" id="{D4B12917-58F3-4ADD-B4F9-877462AF83EE}"/>
+                <a16:creationId xmlns:a16="http://schemas.microsoft.com/office/drawing/2014/main" id="{B8862C26-C08B-4A3E-A322-16D55E11BB36}"/>
               </a:ext>
             </a:extLst>
           </p:cNvPr>
@@ -8501,8 +8511,38 @@
         </p:blipFill>
         <p:spPr>
           <a:xfrm>
-            <a:off x="3188422" y="2177089"/>
-            <a:ext cx="5129669" cy="3905924"/>
+            <a:off x="10487563" y="410303"/>
+            <a:ext cx="1766785" cy="1766785"/>
+          </a:xfrm>
+          <a:prstGeom prst="rect">
+            <a:avLst/>
+          </a:prstGeom>
+        </p:spPr>
+      </p:pic>
+      <p:pic>
+        <p:nvPicPr>
+          <p:cNvPr id="9" name="Imagem 8">
+            <a:extLst>
+              <a:ext uri="{FF2B5EF4-FFF2-40B4-BE49-F238E27FC236}">
+                <a16:creationId xmlns:a16="http://schemas.microsoft.com/office/drawing/2014/main" id="{16489EE8-9E7C-49EE-8DF8-98D78DEFE21D}"/>
+              </a:ext>
+            </a:extLst>
+          </p:cNvPr>
+          <p:cNvPicPr>
+            <a:picLocks noChangeAspect="1"/>
+          </p:cNvPicPr>
+          <p:nvPr/>
+        </p:nvPicPr>
+        <p:blipFill>
+          <a:blip r:embed="rId4"/>
+          <a:stretch>
+            <a:fillRect/>
+          </a:stretch>
+        </p:blipFill>
+        <p:spPr>
+          <a:xfrm>
+            <a:off x="680321" y="2922435"/>
+            <a:ext cx="2857899" cy="1829055"/>
           </a:xfrm>
           <a:prstGeom prst="rect">
             <a:avLst/>
@@ -8512,7 +8552,7 @@
     </p:spTree>
     <p:extLst>
       <p:ext uri="{BB962C8B-B14F-4D97-AF65-F5344CB8AC3E}">
-        <p14:creationId xmlns:p14="http://schemas.microsoft.com/office/powerpoint/2010/main" val="1332726623"/>
+        <p14:creationId xmlns:p14="http://schemas.microsoft.com/office/powerpoint/2010/main" val="2320605410"/>
       </p:ext>
     </p:extLst>
   </p:cSld>
@@ -8544,7 +8584,7 @@
           <p:cNvPr id="2" name="Título 1">
             <a:extLst>
               <a:ext uri="{FF2B5EF4-FFF2-40B4-BE49-F238E27FC236}">
-                <a16:creationId xmlns:a16="http://schemas.microsoft.com/office/drawing/2014/main" id="{97E80D1C-39FB-41DD-9228-516CB65ED846}"/>
+                <a16:creationId xmlns:a16="http://schemas.microsoft.com/office/drawing/2014/main" id="{85C5FE73-25AB-4E71-B820-C4AA77264B1E}"/>
               </a:ext>
             </a:extLst>
           </p:cNvPr>
@@ -8565,7 +8605,7 @@
               <a:rPr lang="pt-BR" dirty="0">
                 <a:latin typeface="Algerian" panose="04020705040A02060702" pitchFamily="82" charset="0"/>
               </a:rPr>
-              <a:t>HLD</a:t>
+              <a:t>BACKLOG</a:t>
             </a:r>
           </a:p>
         </p:txBody>
@@ -8575,16 +8615,14 @@
           <p:cNvPr id="4" name="Espaço Reservado para Conteúdo 4" descr="Forma&#10;&#10;Descrição gerada automaticamente com confiança baixa">
             <a:extLst>
               <a:ext uri="{FF2B5EF4-FFF2-40B4-BE49-F238E27FC236}">
-                <a16:creationId xmlns:a16="http://schemas.microsoft.com/office/drawing/2014/main" id="{7261D10C-D902-4951-A4FE-11F459C391D3}"/>
+                <a16:creationId xmlns:a16="http://schemas.microsoft.com/office/drawing/2014/main" id="{880C05AF-2B4B-4F1F-B362-BE941F3CD2FE}"/>
               </a:ext>
             </a:extLst>
           </p:cNvPr>
           <p:cNvPicPr>
-            <a:picLocks noGrp="1" noChangeAspect="1"/>
+            <a:picLocks noChangeAspect="1"/>
           </p:cNvPicPr>
-          <p:nvPr>
-            <p:ph idx="1"/>
-          </p:nvPr>
+          <p:nvPr/>
         </p:nvPicPr>
         <p:blipFill>
           <a:blip r:embed="rId2"/>
@@ -8594,17 +8632,20 @@
         </p:blipFill>
         <p:spPr>
           <a:xfrm>
-            <a:off x="10718622" y="641362"/>
-            <a:ext cx="1304669" cy="1304669"/>
-          </a:xfrm>
+            <a:off x="10521238" y="410304"/>
+            <a:ext cx="1766785" cy="1766785"/>
+          </a:xfrm>
+          <a:prstGeom prst="rect">
+            <a:avLst/>
+          </a:prstGeom>
         </p:spPr>
       </p:pic>
       <p:pic>
         <p:nvPicPr>
-          <p:cNvPr id="6" name="Imagem 5" descr="Diagrama, Esquemático&#10;&#10;Descrição gerada automaticamente">
+          <p:cNvPr id="6" name="Imagem 5" descr="Interface gráfica do usuário, Aplicativo, Teams&#10;&#10;Descrição gerada automaticamente">
             <a:extLst>
               <a:ext uri="{FF2B5EF4-FFF2-40B4-BE49-F238E27FC236}">
-                <a16:creationId xmlns:a16="http://schemas.microsoft.com/office/drawing/2014/main" id="{1D0C9D24-A867-44AA-AF21-77B59233E9E7}"/>
+                <a16:creationId xmlns:a16="http://schemas.microsoft.com/office/drawing/2014/main" id="{D4B12917-58F3-4ADD-B4F9-877462AF83EE}"/>
               </a:ext>
             </a:extLst>
           </p:cNvPr>
@@ -8621,38 +8662,8 @@
         </p:blipFill>
         <p:spPr>
           <a:xfrm>
-            <a:off x="2224938" y="2094578"/>
-            <a:ext cx="6524625" cy="4438650"/>
-          </a:xfrm>
-          <a:prstGeom prst="rect">
-            <a:avLst/>
-          </a:prstGeom>
-        </p:spPr>
-      </p:pic>
-      <p:pic>
-        <p:nvPicPr>
-          <p:cNvPr id="7" name="Espaço Reservado para Conteúdo 4" descr="Forma&#10;&#10;Descrição gerada automaticamente com confiança baixa">
-            <a:extLst>
-              <a:ext uri="{FF2B5EF4-FFF2-40B4-BE49-F238E27FC236}">
-                <a16:creationId xmlns:a16="http://schemas.microsoft.com/office/drawing/2014/main" id="{7BFEF52E-4A38-425E-B041-160807D9F322}"/>
-              </a:ext>
-            </a:extLst>
-          </p:cNvPr>
-          <p:cNvPicPr>
-            <a:picLocks noChangeAspect="1"/>
-          </p:cNvPicPr>
-          <p:nvPr/>
-        </p:nvPicPr>
-        <p:blipFill>
-          <a:blip r:embed="rId2"/>
-          <a:stretch>
-            <a:fillRect/>
-          </a:stretch>
-        </p:blipFill>
-        <p:spPr>
-          <a:xfrm>
-            <a:off x="10487563" y="410303"/>
-            <a:ext cx="1766785" cy="1766785"/>
+            <a:off x="3188422" y="2177089"/>
+            <a:ext cx="5129669" cy="3905924"/>
           </a:xfrm>
           <a:prstGeom prst="rect">
             <a:avLst/>
@@ -8662,7 +8673,7 @@
     </p:spTree>
     <p:extLst>
       <p:ext uri="{BB962C8B-B14F-4D97-AF65-F5344CB8AC3E}">
-        <p14:creationId xmlns:p14="http://schemas.microsoft.com/office/powerpoint/2010/main" val="4285467331"/>
+        <p14:creationId xmlns:p14="http://schemas.microsoft.com/office/powerpoint/2010/main" val="1332726623"/>
       </p:ext>
     </p:extLst>
   </p:cSld>
@@ -8694,7 +8705,7 @@
           <p:cNvPr id="2" name="Título 1">
             <a:extLst>
               <a:ext uri="{FF2B5EF4-FFF2-40B4-BE49-F238E27FC236}">
-                <a16:creationId xmlns:a16="http://schemas.microsoft.com/office/drawing/2014/main" id="{E230ED44-7E61-4607-8BC5-98010720BF48}"/>
+                <a16:creationId xmlns:a16="http://schemas.microsoft.com/office/drawing/2014/main" id="{97E80D1C-39FB-41DD-9228-516CB65ED846}"/>
               </a:ext>
             </a:extLst>
           </p:cNvPr>
@@ -8715,7 +8726,7 @@
               <a:rPr lang="pt-BR" dirty="0">
                 <a:latin typeface="Algerian" panose="04020705040A02060702" pitchFamily="82" charset="0"/>
               </a:rPr>
-              <a:t>LLD</a:t>
+              <a:t>HLD</a:t>
             </a:r>
           </a:p>
         </p:txBody>
@@ -8725,7 +8736,7 @@
           <p:cNvPr id="4" name="Espaço Reservado para Conteúdo 4" descr="Forma&#10;&#10;Descrição gerada automaticamente com confiança baixa">
             <a:extLst>
               <a:ext uri="{FF2B5EF4-FFF2-40B4-BE49-F238E27FC236}">
-                <a16:creationId xmlns:a16="http://schemas.microsoft.com/office/drawing/2014/main" id="{8F5DF0E7-7947-4603-88C2-902760FC833A}"/>
+                <a16:creationId xmlns:a16="http://schemas.microsoft.com/office/drawing/2014/main" id="{7261D10C-D902-4951-A4FE-11F459C391D3}"/>
               </a:ext>
             </a:extLst>
           </p:cNvPr>
@@ -8744,17 +8755,17 @@
         </p:blipFill>
         <p:spPr>
           <a:xfrm>
-            <a:off x="10521238" y="410304"/>
-            <a:ext cx="1766785" cy="1766785"/>
+            <a:off x="10718622" y="641362"/>
+            <a:ext cx="1304669" cy="1304669"/>
           </a:xfrm>
         </p:spPr>
       </p:pic>
       <p:pic>
         <p:nvPicPr>
-          <p:cNvPr id="6" name="Imagem 5" descr="Diagrama&#10;&#10;Descrição gerada automaticamente">
+          <p:cNvPr id="6" name="Imagem 5" descr="Diagrama, Esquemático&#10;&#10;Descrição gerada automaticamente">
             <a:extLst>
               <a:ext uri="{FF2B5EF4-FFF2-40B4-BE49-F238E27FC236}">
-                <a16:creationId xmlns:a16="http://schemas.microsoft.com/office/drawing/2014/main" id="{865A636E-157E-4EDE-B74B-13740EAF3A15}"/>
+                <a16:creationId xmlns:a16="http://schemas.microsoft.com/office/drawing/2014/main" id="{1D0C9D24-A867-44AA-AF21-77B59233E9E7}"/>
               </a:ext>
             </a:extLst>
           </p:cNvPr>
@@ -8771,8 +8782,38 @@
         </p:blipFill>
         <p:spPr>
           <a:xfrm>
-            <a:off x="2789443" y="2074381"/>
-            <a:ext cx="5980932" cy="4449323"/>
+            <a:off x="2224938" y="2094578"/>
+            <a:ext cx="6524625" cy="4438650"/>
+          </a:xfrm>
+          <a:prstGeom prst="rect">
+            <a:avLst/>
+          </a:prstGeom>
+        </p:spPr>
+      </p:pic>
+      <p:pic>
+        <p:nvPicPr>
+          <p:cNvPr id="7" name="Espaço Reservado para Conteúdo 4" descr="Forma&#10;&#10;Descrição gerada automaticamente com confiança baixa">
+            <a:extLst>
+              <a:ext uri="{FF2B5EF4-FFF2-40B4-BE49-F238E27FC236}">
+                <a16:creationId xmlns:a16="http://schemas.microsoft.com/office/drawing/2014/main" id="{7BFEF52E-4A38-425E-B041-160807D9F322}"/>
+              </a:ext>
+            </a:extLst>
+          </p:cNvPr>
+          <p:cNvPicPr>
+            <a:picLocks noChangeAspect="1"/>
+          </p:cNvPicPr>
+          <p:nvPr/>
+        </p:nvPicPr>
+        <p:blipFill>
+          <a:blip r:embed="rId2"/>
+          <a:stretch>
+            <a:fillRect/>
+          </a:stretch>
+        </p:blipFill>
+        <p:spPr>
+          <a:xfrm>
+            <a:off x="10487563" y="410303"/>
+            <a:ext cx="1766785" cy="1766785"/>
           </a:xfrm>
           <a:prstGeom prst="rect">
             <a:avLst/>
@@ -8782,7 +8823,7 @@
     </p:spTree>
     <p:extLst>
       <p:ext uri="{BB962C8B-B14F-4D97-AF65-F5344CB8AC3E}">
-        <p14:creationId xmlns:p14="http://schemas.microsoft.com/office/powerpoint/2010/main" val="2223952893"/>
+        <p14:creationId xmlns:p14="http://schemas.microsoft.com/office/powerpoint/2010/main" val="4285467331"/>
       </p:ext>
     </p:extLst>
   </p:cSld>
@@ -8814,6 +8855,126 @@
           <p:cNvPr id="2" name="Título 1">
             <a:extLst>
               <a:ext uri="{FF2B5EF4-FFF2-40B4-BE49-F238E27FC236}">
+                <a16:creationId xmlns:a16="http://schemas.microsoft.com/office/drawing/2014/main" id="{E230ED44-7E61-4607-8BC5-98010720BF48}"/>
+              </a:ext>
+            </a:extLst>
+          </p:cNvPr>
+          <p:cNvSpPr>
+            <a:spLocks noGrp="1"/>
+          </p:cNvSpPr>
+          <p:nvPr>
+            <p:ph type="title"/>
+          </p:nvPr>
+        </p:nvSpPr>
+        <p:spPr/>
+        <p:txBody>
+          <a:bodyPr/>
+          <a:lstStyle/>
+          <a:p>
+            <a:pPr algn="ctr"/>
+            <a:r>
+              <a:rPr lang="pt-BR" dirty="0">
+                <a:latin typeface="Algerian" panose="04020705040A02060702" pitchFamily="82" charset="0"/>
+              </a:rPr>
+              <a:t>LLD</a:t>
+            </a:r>
+          </a:p>
+        </p:txBody>
+      </p:sp>
+      <p:pic>
+        <p:nvPicPr>
+          <p:cNvPr id="4" name="Espaço Reservado para Conteúdo 4" descr="Forma&#10;&#10;Descrição gerada automaticamente com confiança baixa">
+            <a:extLst>
+              <a:ext uri="{FF2B5EF4-FFF2-40B4-BE49-F238E27FC236}">
+                <a16:creationId xmlns:a16="http://schemas.microsoft.com/office/drawing/2014/main" id="{8F5DF0E7-7947-4603-88C2-902760FC833A}"/>
+              </a:ext>
+            </a:extLst>
+          </p:cNvPr>
+          <p:cNvPicPr>
+            <a:picLocks noGrp="1" noChangeAspect="1"/>
+          </p:cNvPicPr>
+          <p:nvPr>
+            <p:ph idx="1"/>
+          </p:nvPr>
+        </p:nvPicPr>
+        <p:blipFill>
+          <a:blip r:embed="rId2"/>
+          <a:stretch>
+            <a:fillRect/>
+          </a:stretch>
+        </p:blipFill>
+        <p:spPr>
+          <a:xfrm>
+            <a:off x="10521238" y="410304"/>
+            <a:ext cx="1766785" cy="1766785"/>
+          </a:xfrm>
+        </p:spPr>
+      </p:pic>
+      <p:pic>
+        <p:nvPicPr>
+          <p:cNvPr id="6" name="Imagem 5" descr="Diagrama&#10;&#10;Descrição gerada automaticamente">
+            <a:extLst>
+              <a:ext uri="{FF2B5EF4-FFF2-40B4-BE49-F238E27FC236}">
+                <a16:creationId xmlns:a16="http://schemas.microsoft.com/office/drawing/2014/main" id="{865A636E-157E-4EDE-B74B-13740EAF3A15}"/>
+              </a:ext>
+            </a:extLst>
+          </p:cNvPr>
+          <p:cNvPicPr>
+            <a:picLocks noChangeAspect="1"/>
+          </p:cNvPicPr>
+          <p:nvPr/>
+        </p:nvPicPr>
+        <p:blipFill>
+          <a:blip r:embed="rId3"/>
+          <a:stretch>
+            <a:fillRect/>
+          </a:stretch>
+        </p:blipFill>
+        <p:spPr>
+          <a:xfrm>
+            <a:off x="2789443" y="2074381"/>
+            <a:ext cx="5980932" cy="4449323"/>
+          </a:xfrm>
+          <a:prstGeom prst="rect">
+            <a:avLst/>
+          </a:prstGeom>
+        </p:spPr>
+      </p:pic>
+    </p:spTree>
+    <p:extLst>
+      <p:ext uri="{BB962C8B-B14F-4D97-AF65-F5344CB8AC3E}">
+        <p14:creationId xmlns:p14="http://schemas.microsoft.com/office/powerpoint/2010/main" val="2223952893"/>
+      </p:ext>
+    </p:extLst>
+  </p:cSld>
+  <p:clrMapOvr>
+    <a:masterClrMapping/>
+  </p:clrMapOvr>
+</p:sld>
+</file>
+
+<file path=ppt/slides/slide6.xml><?xml version="1.0" encoding="utf-8"?>
+<p:sld xmlns:a="http://schemas.openxmlformats.org/drawingml/2006/main" xmlns:r="http://schemas.openxmlformats.org/officeDocument/2006/relationships" xmlns:p="http://schemas.openxmlformats.org/presentationml/2006/main">
+  <p:cSld>
+    <p:spTree>
+      <p:nvGrpSpPr>
+        <p:cNvPr id="1" name=""/>
+        <p:cNvGrpSpPr/>
+        <p:nvPr/>
+      </p:nvGrpSpPr>
+      <p:grpSpPr>
+        <a:xfrm>
+          <a:off x="0" y="0"/>
+          <a:ext cx="0" cy="0"/>
+          <a:chOff x="0" y="0"/>
+          <a:chExt cx="0" cy="0"/>
+        </a:xfrm>
+      </p:grpSpPr>
+      <p:sp>
+        <p:nvSpPr>
+          <p:cNvPr id="2" name="Título 1">
+            <a:extLst>
+              <a:ext uri="{FF2B5EF4-FFF2-40B4-BE49-F238E27FC236}">
                 <a16:creationId xmlns:a16="http://schemas.microsoft.com/office/drawing/2014/main" id="{67DAC824-CA98-4CBC-BABE-A70BCB4814D4}"/>
               </a:ext>
             </a:extLst>
@@ -8842,10 +9003,168 @@
       </p:sp>
       <p:pic>
         <p:nvPicPr>
-          <p:cNvPr id="5" name="Imagem 4" descr="Diagrama&#10;&#10;Descrição gerada automaticamente">
+          <p:cNvPr id="6" name="Espaço Reservado para Conteúdo 4" descr="Forma&#10;&#10;Descrição gerada automaticamente com confiança baixa">
             <a:extLst>
               <a:ext uri="{FF2B5EF4-FFF2-40B4-BE49-F238E27FC236}">
-                <a16:creationId xmlns:a16="http://schemas.microsoft.com/office/drawing/2014/main" id="{1DA47A95-1DA3-485B-BAC2-9666785E0EEB}"/>
+                <a16:creationId xmlns:a16="http://schemas.microsoft.com/office/drawing/2014/main" id="{94C7C723-CA26-4CD9-9AE2-18B87095A959}"/>
+              </a:ext>
+            </a:extLst>
+          </p:cNvPr>
+          <p:cNvPicPr>
+            <a:picLocks noGrp="1" noChangeAspect="1"/>
+          </p:cNvPicPr>
+          <p:nvPr>
+            <p:ph idx="1"/>
+          </p:nvPr>
+        </p:nvPicPr>
+        <p:blipFill>
+          <a:blip r:embed="rId2"/>
+          <a:stretch>
+            <a:fillRect/>
+          </a:stretch>
+        </p:blipFill>
+        <p:spPr>
+          <a:xfrm>
+            <a:off x="10521238" y="410304"/>
+            <a:ext cx="1766785" cy="1766785"/>
+          </a:xfrm>
+        </p:spPr>
+      </p:pic>
+      <p:pic>
+        <p:nvPicPr>
+          <p:cNvPr id="4" name="Imagem 3">
+            <a:extLst>
+              <a:ext uri="{FF2B5EF4-FFF2-40B4-BE49-F238E27FC236}">
+                <a16:creationId xmlns:a16="http://schemas.microsoft.com/office/drawing/2014/main" id="{5494520A-4FDF-4905-8F04-9BE999635B2B}"/>
+              </a:ext>
+            </a:extLst>
+          </p:cNvPr>
+          <p:cNvPicPr>
+            <a:picLocks noChangeAspect="1"/>
+          </p:cNvPicPr>
+          <p:nvPr/>
+        </p:nvPicPr>
+        <p:blipFill>
+          <a:blip r:embed="rId3"/>
+          <a:stretch>
+            <a:fillRect/>
+          </a:stretch>
+        </p:blipFill>
+        <p:spPr>
+          <a:xfrm>
+            <a:off x="2641279" y="2570984"/>
+            <a:ext cx="6660126" cy="3378151"/>
+          </a:xfrm>
+          <a:prstGeom prst="rect">
+            <a:avLst/>
+          </a:prstGeom>
+        </p:spPr>
+      </p:pic>
+    </p:spTree>
+    <p:extLst>
+      <p:ext uri="{BB962C8B-B14F-4D97-AF65-F5344CB8AC3E}">
+        <p14:creationId xmlns:p14="http://schemas.microsoft.com/office/powerpoint/2010/main" val="2489503082"/>
+      </p:ext>
+    </p:extLst>
+  </p:cSld>
+  <p:clrMapOvr>
+    <a:masterClrMapping/>
+  </p:clrMapOvr>
+</p:sld>
+</file>
+
+<file path=ppt/slides/slide7.xml><?xml version="1.0" encoding="utf-8"?>
+<p:sld xmlns:a="http://schemas.openxmlformats.org/drawingml/2006/main" xmlns:r="http://schemas.openxmlformats.org/officeDocument/2006/relationships" xmlns:p="http://schemas.openxmlformats.org/presentationml/2006/main">
+  <p:cSld>
+    <p:spTree>
+      <p:nvGrpSpPr>
+        <p:cNvPr id="1" name=""/>
+        <p:cNvGrpSpPr/>
+        <p:nvPr/>
+      </p:nvGrpSpPr>
+      <p:grpSpPr>
+        <a:xfrm>
+          <a:off x="0" y="0"/>
+          <a:ext cx="0" cy="0"/>
+          <a:chOff x="0" y="0"/>
+          <a:chExt cx="0" cy="0"/>
+        </a:xfrm>
+      </p:grpSpPr>
+      <p:sp>
+        <p:nvSpPr>
+          <p:cNvPr id="2" name="Título 1">
+            <a:extLst>
+              <a:ext uri="{FF2B5EF4-FFF2-40B4-BE49-F238E27FC236}">
+                <a16:creationId xmlns:a16="http://schemas.microsoft.com/office/drawing/2014/main" id="{AD2CC415-F203-40E6-9235-21C403144CCB}"/>
+              </a:ext>
+            </a:extLst>
+          </p:cNvPr>
+          <p:cNvSpPr>
+            <a:spLocks noGrp="1"/>
+          </p:cNvSpPr>
+          <p:nvPr>
+            <p:ph type="title"/>
+          </p:nvPr>
+        </p:nvSpPr>
+        <p:spPr/>
+        <p:txBody>
+          <a:bodyPr/>
+          <a:lstStyle/>
+          <a:p>
+            <a:pPr algn="ctr"/>
+            <a:r>
+              <a:rPr lang="pt-BR" dirty="0">
+                <a:latin typeface="Algerian" panose="04020705040A02060702" pitchFamily="82" charset="0"/>
+              </a:rPr>
+              <a:t>THE END</a:t>
+            </a:r>
+          </a:p>
+        </p:txBody>
+      </p:sp>
+      <p:sp>
+        <p:nvSpPr>
+          <p:cNvPr id="3" name="Espaço Reservado para Conteúdo 2">
+            <a:extLst>
+              <a:ext uri="{FF2B5EF4-FFF2-40B4-BE49-F238E27FC236}">
+                <a16:creationId xmlns:a16="http://schemas.microsoft.com/office/drawing/2014/main" id="{1900AC31-4A53-40F5-A156-601BF797E659}"/>
+              </a:ext>
+            </a:extLst>
+          </p:cNvPr>
+          <p:cNvSpPr>
+            <a:spLocks noGrp="1"/>
+          </p:cNvSpPr>
+          <p:nvPr>
+            <p:ph idx="1"/>
+          </p:nvPr>
+        </p:nvSpPr>
+        <p:spPr>
+          <a:xfrm>
+            <a:off x="873702" y="3602965"/>
+            <a:ext cx="9613861" cy="3599316"/>
+          </a:xfrm>
+        </p:spPr>
+        <p:txBody>
+          <a:bodyPr>
+            <a:normAutofit/>
+          </a:bodyPr>
+          <a:lstStyle/>
+          <a:p>
+            <a:pPr algn="ctr"/>
+            <a:r>
+              <a:rPr lang="pt-BR" sz="9600" dirty="0">
+                <a:latin typeface="Algerian" panose="04020705040A02060702" pitchFamily="82" charset="0"/>
+              </a:rPr>
+              <a:t>OBRIGADO !</a:t>
+            </a:r>
+          </a:p>
+        </p:txBody>
+      </p:sp>
+      <p:pic>
+        <p:nvPicPr>
+          <p:cNvPr id="4" name="Espaço Reservado para Conteúdo 4" descr="Forma&#10;&#10;Descrição gerada automaticamente com confiança baixa">
+            <a:extLst>
+              <a:ext uri="{FF2B5EF4-FFF2-40B4-BE49-F238E27FC236}">
+                <a16:creationId xmlns:a16="http://schemas.microsoft.com/office/drawing/2014/main" id="{3114398A-B399-4E59-81FB-A443D795A0FE}"/>
               </a:ext>
             </a:extLst>
           </p:cNvPr>
@@ -8862,47 +9181,18 @@
         </p:blipFill>
         <p:spPr>
           <a:xfrm>
-            <a:off x="2644976" y="2672184"/>
-            <a:ext cx="5210902" cy="2772162"/>
+            <a:off x="10487563" y="410303"/>
+            <a:ext cx="1766785" cy="1766785"/>
           </a:xfrm>
           <a:prstGeom prst="rect">
             <a:avLst/>
           </a:prstGeom>
-        </p:spPr>
-      </p:pic>
-      <p:pic>
-        <p:nvPicPr>
-          <p:cNvPr id="6" name="Espaço Reservado para Conteúdo 4" descr="Forma&#10;&#10;Descrição gerada automaticamente com confiança baixa">
-            <a:extLst>
-              <a:ext uri="{FF2B5EF4-FFF2-40B4-BE49-F238E27FC236}">
-                <a16:creationId xmlns:a16="http://schemas.microsoft.com/office/drawing/2014/main" id="{94C7C723-CA26-4CD9-9AE2-18B87095A959}"/>
-              </a:ext>
-            </a:extLst>
-          </p:cNvPr>
-          <p:cNvPicPr>
-            <a:picLocks noGrp="1" noChangeAspect="1"/>
-          </p:cNvPicPr>
-          <p:nvPr>
-            <p:ph idx="1"/>
-          </p:nvPr>
-        </p:nvPicPr>
-        <p:blipFill>
-          <a:blip r:embed="rId3"/>
-          <a:stretch>
-            <a:fillRect/>
-          </a:stretch>
-        </p:blipFill>
-        <p:spPr>
-          <a:xfrm>
-            <a:off x="10521238" y="410304"/>
-            <a:ext cx="1766785" cy="1766785"/>
-          </a:xfrm>
         </p:spPr>
       </p:pic>
     </p:spTree>
     <p:extLst>
       <p:ext uri="{BB962C8B-B14F-4D97-AF65-F5344CB8AC3E}">
-        <p14:creationId xmlns:p14="http://schemas.microsoft.com/office/powerpoint/2010/main" val="2489503082"/>
+        <p14:creationId xmlns:p14="http://schemas.microsoft.com/office/powerpoint/2010/main" val="3202836225"/>
       </p:ext>
     </p:extLst>
   </p:cSld>
@@ -9757,11 +10047,12 @@
 </file>
 
 <file path=customXml/item1.xml><?xml version="1.0" encoding="utf-8"?>
-<p:properties xmlns:p="http://schemas.microsoft.com/office/2006/metadata/properties" xmlns:xsi="http://www.w3.org/2001/XMLSchema-instance" xmlns:pc="http://schemas.microsoft.com/office/infopath/2007/PartnerControls">
-  <documentManagement>
-    <MediaServiceKeyPoints xmlns="71af3243-3dd4-4a8d-8c0d-dd76da1f02a5" xsi:nil="true"/>
-  </documentManagement>
-</p:properties>
+<?mso-contentType ?>
+<FormTemplates xmlns="http://schemas.microsoft.com/sharepoint/v3/contenttype/forms">
+  <Display>DocumentLibraryForm</Display>
+  <Edit>DocumentLibraryForm</Edit>
+  <New>DocumentLibraryForm</New>
+</FormTemplates>
 </file>
 
 <file path=customXml/item2.xml><?xml version="1.0" encoding="utf-8"?>
@@ -9976,20 +10267,17 @@
 </file>
 
 <file path=customXml/item3.xml><?xml version="1.0" encoding="utf-8"?>
-<?mso-contentType ?>
-<FormTemplates xmlns="http://schemas.microsoft.com/sharepoint/v3/contenttype/forms">
-  <Display>DocumentLibraryForm</Display>
-  <Edit>DocumentLibraryForm</Edit>
-  <New>DocumentLibraryForm</New>
-</FormTemplates>
+<p:properties xmlns:p="http://schemas.microsoft.com/office/2006/metadata/properties" xmlns:xsi="http://www.w3.org/2001/XMLSchema-instance" xmlns:pc="http://schemas.microsoft.com/office/infopath/2007/PartnerControls">
+  <documentManagement>
+    <MediaServiceKeyPoints xmlns="71af3243-3dd4-4a8d-8c0d-dd76da1f02a5" xsi:nil="true"/>
+  </documentManagement>
+</p:properties>
 </file>
 
 <file path=customXml/itemProps1.xml><?xml version="1.0" encoding="utf-8"?>
-<ds:datastoreItem xmlns:ds="http://schemas.openxmlformats.org/officeDocument/2006/customXml" ds:itemID="{FE0B8658-DE86-42E1-9D01-970FE6B6ABA5}">
+<ds:datastoreItem xmlns:ds="http://schemas.openxmlformats.org/officeDocument/2006/customXml" ds:itemID="{A913FBCD-4DF7-4ECF-9257-7B99D5499325}">
   <ds:schemaRefs>
-    <ds:schemaRef ds:uri="http://schemas.microsoft.com/office/2006/metadata/properties"/>
-    <ds:schemaRef ds:uri="http://schemas.microsoft.com/office/infopath/2007/PartnerControls"/>
-    <ds:schemaRef ds:uri="71af3243-3dd4-4a8d-8c0d-dd76da1f02a5"/>
+    <ds:schemaRef ds:uri="http://schemas.microsoft.com/sharepoint/v3/contenttype/forms"/>
   </ds:schemaRefs>
 </ds:datastoreItem>
 </file>
@@ -10014,9 +10302,11 @@
 </file>
 
 <file path=customXml/itemProps3.xml><?xml version="1.0" encoding="utf-8"?>
-<ds:datastoreItem xmlns:ds="http://schemas.openxmlformats.org/officeDocument/2006/customXml" ds:itemID="{A913FBCD-4DF7-4ECF-9257-7B99D5499325}">
+<ds:datastoreItem xmlns:ds="http://schemas.openxmlformats.org/officeDocument/2006/customXml" ds:itemID="{FE0B8658-DE86-42E1-9D01-970FE6B6ABA5}">
   <ds:schemaRefs>
-    <ds:schemaRef ds:uri="http://schemas.microsoft.com/sharepoint/v3/contenttype/forms"/>
+    <ds:schemaRef ds:uri="http://schemas.microsoft.com/office/2006/metadata/properties"/>
+    <ds:schemaRef ds:uri="http://schemas.microsoft.com/office/infopath/2007/PartnerControls"/>
+    <ds:schemaRef ds:uri="71af3243-3dd4-4a8d-8c0d-dd76da1f02a5"/>
   </ds:schemaRefs>
 </ds:datastoreItem>
 </file>